--- a/Lectures/Case Study - Synchronizing a Thread Pool/Case Study - Synchronizing a Thread Pool.pptx
+++ b/Lectures/Case Study - Synchronizing a Thread Pool/Case Study - Synchronizing a Thread Pool.pptx
@@ -5,7 +5,7 @@
     <p:sldMasterId id="2147483660" r:id="rId1"/>
   </p:sldMasterIdLst>
   <p:notesMasterIdLst>
-    <p:notesMasterId r:id="rId12"/>
+    <p:notesMasterId r:id="rId11"/>
   </p:notesMasterIdLst>
   <p:sldIdLst>
     <p:sldId id="256" r:id="rId2"/>
@@ -15,9 +15,8 @@
     <p:sldId id="260" r:id="rId6"/>
     <p:sldId id="261" r:id="rId7"/>
     <p:sldId id="262" r:id="rId8"/>
-    <p:sldId id="263" r:id="rId9"/>
-    <p:sldId id="265" r:id="rId10"/>
-    <p:sldId id="264" r:id="rId11"/>
+    <p:sldId id="265" r:id="rId9"/>
+    <p:sldId id="264" r:id="rId10"/>
   </p:sldIdLst>
   <p:sldSz cx="9144000" cy="6858000" type="screen4x3"/>
   <p:notesSz cx="6858000" cy="9144000"/>
@@ -201,7 +200,7 @@
           <a:p>
             <a:fld id="{DBE0ECA1-3FBF-48AE-AD2A-4439AE745E19}" type="datetimeFigureOut">
               <a:rPr lang="en-US" smtClean="0"/>
-              <a:t>12/27/2013</a:t>
+              <a:t>2/6/2014</a:t>
             </a:fld>
             <a:endParaRPr lang="en-US"/>
           </a:p>
@@ -662,7 +661,7 @@
           <a:p>
             <a:fld id="{9769DED8-28D4-45B9-A00F-7CFE9335FEA6}" type="datetime1">
               <a:rPr lang="en-US" smtClean="0"/>
-              <a:t>12/27/2013</a:t>
+              <a:t>2/6/2014</a:t>
             </a:fld>
             <a:endParaRPr lang="en-US"/>
           </a:p>
@@ -927,7 +926,7 @@
           <a:p>
             <a:fld id="{2DB3D439-1F88-44B4-B5F7-F9BCD4064257}" type="datetime1">
               <a:rPr lang="en-US" smtClean="0"/>
-              <a:t>12/27/2013</a:t>
+              <a:t>2/6/2014</a:t>
             </a:fld>
             <a:endParaRPr lang="en-US"/>
           </a:p>
@@ -1102,7 +1101,7 @@
           <a:p>
             <a:fld id="{99C5638F-6F55-4055-935C-67841BE78C36}" type="datetime1">
               <a:rPr lang="en-US" smtClean="0"/>
-              <a:t>12/27/2013</a:t>
+              <a:t>2/6/2014</a:t>
             </a:fld>
             <a:endParaRPr lang="en-US"/>
           </a:p>
@@ -1267,7 +1266,7 @@
           <a:p>
             <a:fld id="{E6987D90-0C92-4B22-A29D-FED15412CED2}" type="datetime1">
               <a:rPr lang="en-US" smtClean="0"/>
-              <a:t>12/27/2013</a:t>
+              <a:t>2/6/2014</a:t>
             </a:fld>
             <a:endParaRPr lang="en-US"/>
           </a:p>
@@ -1516,7 +1515,7 @@
           <a:p>
             <a:fld id="{DDB67BC4-9554-49E0-BCB3-D1EF965BA0B8}" type="datetime1">
               <a:rPr lang="en-US" smtClean="0"/>
-              <a:t>12/27/2013</a:t>
+              <a:t>2/6/2014</a:t>
             </a:fld>
             <a:endParaRPr lang="en-US"/>
           </a:p>
@@ -1799,7 +1798,7 @@
           <a:p>
             <a:fld id="{EC24D770-803D-4E01-921C-9C100DD8230C}" type="datetime1">
               <a:rPr lang="en-US" smtClean="0"/>
-              <a:t>12/27/2013</a:t>
+              <a:t>2/6/2014</a:t>
             </a:fld>
             <a:endParaRPr lang="en-US"/>
           </a:p>
@@ -2238,7 +2237,7 @@
           <a:p>
             <a:fld id="{356AD44B-78A4-4209-8070-7DCBE2DC4992}" type="datetime1">
               <a:rPr lang="en-US" smtClean="0"/>
-              <a:t>12/27/2013</a:t>
+              <a:t>2/6/2014</a:t>
             </a:fld>
             <a:endParaRPr lang="en-US"/>
           </a:p>
@@ -2351,7 +2350,7 @@
           <a:p>
             <a:fld id="{A993C59A-7CA2-467F-B7F1-9096881A01B8}" type="datetime1">
               <a:rPr lang="en-US" smtClean="0"/>
-              <a:t>12/27/2013</a:t>
+              <a:t>2/6/2014</a:t>
             </a:fld>
             <a:endParaRPr lang="en-US"/>
           </a:p>
@@ -2441,7 +2440,7 @@
           <a:p>
             <a:fld id="{2B6B58D0-2488-434A-8ED1-692E09B85CC5}" type="datetime1">
               <a:rPr lang="en-US" smtClean="0"/>
-              <a:t>12/27/2013</a:t>
+              <a:t>2/6/2014</a:t>
             </a:fld>
             <a:endParaRPr lang="en-US"/>
           </a:p>
@@ -2683,7 +2682,7 @@
           <a:p>
             <a:fld id="{FDB0AFC2-7D64-4F61-A7B7-9932D3305DDA}" type="datetime1">
               <a:rPr lang="en-US" smtClean="0"/>
-              <a:t>12/27/2013</a:t>
+              <a:t>2/6/2014</a:t>
             </a:fld>
             <a:endParaRPr lang="en-US"/>
           </a:p>
@@ -2977,7 +2976,7 @@
           <a:p>
             <a:fld id="{4983D17A-D7B2-4ECE-8A2C-93679B9D177B}" type="datetime1">
               <a:rPr lang="en-US" smtClean="0"/>
-              <a:t>12/27/2013</a:t>
+              <a:t>2/6/2014</a:t>
             </a:fld>
             <a:endParaRPr lang="en-US"/>
           </a:p>
@@ -3271,7 +3270,7 @@
           <a:p>
             <a:fld id="{2A5275F7-419E-4C23-8A3D-2EE5742B2EC9}" type="datetime1">
               <a:rPr lang="en-US" smtClean="0"/>
-              <a:t>12/27/2013</a:t>
+              <a:t>2/6/2014</a:t>
             </a:fld>
             <a:endParaRPr lang="en-US"/>
           </a:p>
@@ -3849,125 +3848,6 @@
 </p:sld>
 </file>
 
-<file path=ppt/slides/slide10.xml><?xml version="1.0" encoding="utf-8"?>
-<p:sld xmlns:a="http://schemas.openxmlformats.org/drawingml/2006/main" xmlns:r="http://schemas.openxmlformats.org/officeDocument/2006/relationships" xmlns:p="http://schemas.openxmlformats.org/presentationml/2006/main">
-  <p:cSld>
-    <p:spTree>
-      <p:nvGrpSpPr>
-        <p:cNvPr id="1" name=""/>
-        <p:cNvGrpSpPr/>
-        <p:nvPr/>
-      </p:nvGrpSpPr>
-      <p:grpSpPr>
-        <a:xfrm>
-          <a:off x="0" y="0"/>
-          <a:ext cx="0" cy="0"/>
-          <a:chOff x="0" y="0"/>
-          <a:chExt cx="0" cy="0"/>
-        </a:xfrm>
-      </p:grpSpPr>
-      <p:sp>
-        <p:nvSpPr>
-          <p:cNvPr id="2" name="Title 1"/>
-          <p:cNvSpPr>
-            <a:spLocks noGrp="1"/>
-          </p:cNvSpPr>
-          <p:nvPr>
-            <p:ph type="title"/>
-          </p:nvPr>
-        </p:nvSpPr>
-        <p:spPr/>
-        <p:txBody>
-          <a:bodyPr/>
-          <a:lstStyle/>
-          <a:p>
-            <a:r>
-              <a:rPr lang="en-US" dirty="0" smtClean="0"/>
-              <a:t>Another defect</a:t>
-            </a:r>
-            <a:endParaRPr lang="en-US" dirty="0"/>
-          </a:p>
-        </p:txBody>
-      </p:sp>
-      <p:sp>
-        <p:nvSpPr>
-          <p:cNvPr id="3" name="Content Placeholder 2"/>
-          <p:cNvSpPr>
-            <a:spLocks noGrp="1"/>
-          </p:cNvSpPr>
-          <p:nvPr>
-            <p:ph idx="1"/>
-          </p:nvPr>
-        </p:nvSpPr>
-        <p:spPr/>
-        <p:txBody>
-          <a:bodyPr/>
-          <a:lstStyle/>
-          <a:p>
-            <a:r>
-              <a:rPr lang="en-US" dirty="0" smtClean="0"/>
-              <a:t>There was a new defect added with this commit. Can you detect it?</a:t>
-            </a:r>
-          </a:p>
-          <a:p>
-            <a:pPr marL="800100" lvl="1" indent="-342900"/>
-            <a:r>
-              <a:rPr lang="en-US" dirty="0" smtClean="0"/>
-              <a:t>The fix for the new defect was committed a few hours later: </a:t>
-            </a:r>
-            <a:r>
-              <a:rPr lang="en-US" dirty="0">
-                <a:hlinkClick r:id="rId2"/>
-              </a:rPr>
-              <a:t>https://github.com/mono/mono/commit/d3818605a16ee8af9518032f940235291c193660</a:t>
-            </a:r>
-            <a:endParaRPr lang="en-US" dirty="0"/>
-          </a:p>
-        </p:txBody>
-      </p:sp>
-      <p:sp>
-        <p:nvSpPr>
-          <p:cNvPr id="4" name="Slide Number Placeholder 3"/>
-          <p:cNvSpPr>
-            <a:spLocks noGrp="1"/>
-          </p:cNvSpPr>
-          <p:nvPr>
-            <p:ph type="sldNum" sz="quarter" idx="12"/>
-          </p:nvPr>
-        </p:nvSpPr>
-        <p:spPr/>
-        <p:txBody>
-          <a:bodyPr/>
-          <a:lstStyle/>
-          <a:p>
-            <a:fld id="{6DA12B36-9664-4CB0-8B2E-F4A2F44AE97E}" type="slidenum">
-              <a:rPr lang="en-US" smtClean="0"/>
-              <a:t>10</a:t>
-            </a:fld>
-            <a:endParaRPr lang="en-US"/>
-          </a:p>
-        </p:txBody>
-      </p:sp>
-    </p:spTree>
-    <p:extLst>
-      <p:ext uri="{BB962C8B-B14F-4D97-AF65-F5344CB8AC3E}">
-        <p14:creationId xmlns:p14="http://schemas.microsoft.com/office/powerpoint/2010/main" val="3371499432"/>
-      </p:ext>
-    </p:extLst>
-  </p:cSld>
-  <p:clrMapOvr>
-    <a:masterClrMapping/>
-  </p:clrMapOvr>
-  <p:timing>
-    <p:tnLst>
-      <p:par>
-        <p:cTn id="1" dur="indefinite" restart="never" nodeType="tmRoot"/>
-      </p:par>
-    </p:tnLst>
-  </p:timing>
-</p:sld>
-</file>
-
 <file path=ppt/slides/slide2.xml><?xml version="1.0" encoding="utf-8"?>
 <p:sld xmlns:a="http://schemas.openxmlformats.org/drawingml/2006/main" xmlns:r="http://schemas.openxmlformats.org/officeDocument/2006/relationships" xmlns:p="http://schemas.openxmlformats.org/presentationml/2006/main">
   <p:cSld>
@@ -4025,22 +3905,14 @@
           <a:p>
             <a:r>
               <a:rPr lang="en-US" dirty="0" smtClean="0"/>
-              <a:t>A thread pool is a collection of threads which </a:t>
-            </a:r>
-            <a:r>
-              <a:rPr lang="en-US" dirty="0" smtClean="0"/>
-              <a:t>always run.</a:t>
+              <a:t>A thread pool is a collection of threads which always run.</a:t>
             </a:r>
           </a:p>
           <a:p>
             <a:pPr marL="800100" lvl="1" indent="-342900"/>
             <a:r>
               <a:rPr lang="en-US" dirty="0" smtClean="0"/>
-              <a:t>When a task needs to be performed on a thread, one of the threads in the pool will execut</a:t>
-            </a:r>
-            <a:r>
-              <a:rPr lang="en-US" dirty="0" smtClean="0"/>
-              <a:t>e it.</a:t>
+              <a:t>When a task needs to be performed on a thread, one of the threads in the pool will execute it.</a:t>
             </a:r>
           </a:p>
           <a:p>
@@ -6848,7 +6720,7 @@
           <a:p>
             <a:r>
               <a:rPr lang="en-US" dirty="0" smtClean="0"/>
-              <a:t>Key invariant</a:t>
+              <a:t>The problem</a:t>
             </a:r>
             <a:endParaRPr lang="en-US" dirty="0"/>
           </a:p>
@@ -6869,25 +6741,7 @@
           <a:bodyPr/>
           <a:lstStyle/>
           <a:p>
-            <a:r>
-              <a:rPr lang="en-US" dirty="0" smtClean="0"/>
-              <a:t>Based on the commit message we can understand the key invariant for this code:</a:t>
-            </a:r>
-          </a:p>
-          <a:p>
-            <a:pPr marL="800100" lvl="1" indent="-342900"/>
-            <a:r>
-              <a:rPr lang="en-US" dirty="0" smtClean="0"/>
-              <a:t>No other queues can have work when a thread enters the waiting state.</a:t>
-            </a:r>
-          </a:p>
-          <a:p>
-            <a:pPr marL="800100" lvl="1" indent="-342900"/>
-            <a:r>
-              <a:rPr lang="en-US" dirty="0" smtClean="0"/>
-              <a:t>Waiting assumes there is no work to be done.</a:t>
-            </a:r>
-            <a:endParaRPr lang="en-US" dirty="0"/>
+            <a:endParaRPr lang="en-US"/>
           </a:p>
         </p:txBody>
       </p:sp>
@@ -6917,7 +6771,7 @@
     </p:spTree>
     <p:extLst>
       <p:ext uri="{BB962C8B-B14F-4D97-AF65-F5344CB8AC3E}">
-        <p14:creationId xmlns:p14="http://schemas.microsoft.com/office/powerpoint/2010/main" val="2992319841"/>
+        <p14:creationId xmlns:p14="http://schemas.microsoft.com/office/powerpoint/2010/main" val="2756397237"/>
       </p:ext>
     </p:extLst>
   </p:cSld>
@@ -6968,7 +6822,7 @@
           <a:p>
             <a:r>
               <a:rPr lang="en-US" dirty="0" smtClean="0"/>
-              <a:t>The problem</a:t>
+              <a:t>Another defect</a:t>
             </a:r>
             <a:endParaRPr lang="en-US" dirty="0"/>
           </a:p>
@@ -6989,7 +6843,24 @@
           <a:bodyPr/>
           <a:lstStyle/>
           <a:p>
-            <a:endParaRPr lang="en-US"/>
+            <a:r>
+              <a:rPr lang="en-US" dirty="0" smtClean="0"/>
+              <a:t>There was a new defect added with this commit. Can you detect it?</a:t>
+            </a:r>
+          </a:p>
+          <a:p>
+            <a:pPr marL="800100" lvl="1" indent="-342900"/>
+            <a:r>
+              <a:rPr lang="en-US" dirty="0" smtClean="0"/>
+              <a:t>The fix for the new defect was committed a few hours later: </a:t>
+            </a:r>
+            <a:r>
+              <a:rPr lang="en-US" dirty="0">
+                <a:hlinkClick r:id="rId2"/>
+              </a:rPr>
+              <a:t>https://github.com/mono/mono/commit/d3818605a16ee8af9518032f940235291c193660</a:t>
+            </a:r>
+            <a:endParaRPr lang="en-US" dirty="0"/>
           </a:p>
         </p:txBody>
       </p:sp>
@@ -7019,7 +6890,7 @@
     </p:spTree>
     <p:extLst>
       <p:ext uri="{BB962C8B-B14F-4D97-AF65-F5344CB8AC3E}">
-        <p14:creationId xmlns:p14="http://schemas.microsoft.com/office/powerpoint/2010/main" val="2756397237"/>
+        <p14:creationId xmlns:p14="http://schemas.microsoft.com/office/powerpoint/2010/main" val="3371499432"/>
       </p:ext>
     </p:extLst>
   </p:cSld>
